--- a/Git.pptx
+++ b/Git.pptx
@@ -4,6 +4,10 @@
   <p:sldMasterIdLst>
     <p:sldMasterId id="2147483648" r:id="rId1"/>
   </p:sldMasterIdLst>
+  <p:sldIdLst>
+    <p:sldId id="256" r:id="rId2"/>
+    <p:sldId id="257" r:id="rId3"/>
+  </p:sldIdLst>
   <p:sldSz cx="9144000" cy="6858000" type="screen4x3"/>
   <p:notesSz cx="6858000" cy="9144000"/>
   <p:defaultTextStyle>
@@ -286,7 +290,7 @@
             <a:fld id="{1D8BD707-D9CF-40AE-B4C6-C98DA3205C09}" type="datetimeFigureOut">
               <a:rPr lang="en-US" smtClean="0"/>
               <a:pPr/>
-              <a:t>9/18/2006</a:t>
+              <a:t>3/22/2015</a:t>
             </a:fld>
             <a:endParaRPr lang="en-US"/>
           </a:p>
@@ -453,7 +457,7 @@
             <a:fld id="{1D8BD707-D9CF-40AE-B4C6-C98DA3205C09}" type="datetimeFigureOut">
               <a:rPr lang="en-US" smtClean="0"/>
               <a:pPr/>
-              <a:t>9/18/2006</a:t>
+              <a:t>3/22/2015</a:t>
             </a:fld>
             <a:endParaRPr lang="en-US"/>
           </a:p>
@@ -630,7 +634,7 @@
             <a:fld id="{1D8BD707-D9CF-40AE-B4C6-C98DA3205C09}" type="datetimeFigureOut">
               <a:rPr lang="en-US" smtClean="0"/>
               <a:pPr/>
-              <a:t>9/18/2006</a:t>
+              <a:t>3/22/2015</a:t>
             </a:fld>
             <a:endParaRPr lang="en-US"/>
           </a:p>
@@ -797,7 +801,7 @@
             <a:fld id="{1D8BD707-D9CF-40AE-B4C6-C98DA3205C09}" type="datetimeFigureOut">
               <a:rPr lang="en-US" smtClean="0"/>
               <a:pPr/>
-              <a:t>9/18/2006</a:t>
+              <a:t>3/22/2015</a:t>
             </a:fld>
             <a:endParaRPr lang="en-US"/>
           </a:p>
@@ -1040,7 +1044,7 @@
             <a:fld id="{1D8BD707-D9CF-40AE-B4C6-C98DA3205C09}" type="datetimeFigureOut">
               <a:rPr lang="en-US" smtClean="0"/>
               <a:pPr/>
-              <a:t>9/18/2006</a:t>
+              <a:t>3/22/2015</a:t>
             </a:fld>
             <a:endParaRPr lang="en-US"/>
           </a:p>
@@ -1325,7 +1329,7 @@
             <a:fld id="{1D8BD707-D9CF-40AE-B4C6-C98DA3205C09}" type="datetimeFigureOut">
               <a:rPr lang="en-US" smtClean="0"/>
               <a:pPr/>
-              <a:t>9/18/2006</a:t>
+              <a:t>3/22/2015</a:t>
             </a:fld>
             <a:endParaRPr lang="en-US"/>
           </a:p>
@@ -1744,7 +1748,7 @@
             <a:fld id="{1D8BD707-D9CF-40AE-B4C6-C98DA3205C09}" type="datetimeFigureOut">
               <a:rPr lang="en-US" smtClean="0"/>
               <a:pPr/>
-              <a:t>9/18/2006</a:t>
+              <a:t>3/22/2015</a:t>
             </a:fld>
             <a:endParaRPr lang="en-US"/>
           </a:p>
@@ -1859,7 +1863,7 @@
             <a:fld id="{1D8BD707-D9CF-40AE-B4C6-C98DA3205C09}" type="datetimeFigureOut">
               <a:rPr lang="en-US" smtClean="0"/>
               <a:pPr/>
-              <a:t>9/18/2006</a:t>
+              <a:t>3/22/2015</a:t>
             </a:fld>
             <a:endParaRPr lang="en-US"/>
           </a:p>
@@ -1951,7 +1955,7 @@
             <a:fld id="{1D8BD707-D9CF-40AE-B4C6-C98DA3205C09}" type="datetimeFigureOut">
               <a:rPr lang="en-US" smtClean="0"/>
               <a:pPr/>
-              <a:t>9/18/2006</a:t>
+              <a:t>3/22/2015</a:t>
             </a:fld>
             <a:endParaRPr lang="en-US"/>
           </a:p>
@@ -2225,7 +2229,7 @@
             <a:fld id="{1D8BD707-D9CF-40AE-B4C6-C98DA3205C09}" type="datetimeFigureOut">
               <a:rPr lang="en-US" smtClean="0"/>
               <a:pPr/>
-              <a:t>9/18/2006</a:t>
+              <a:t>3/22/2015</a:t>
             </a:fld>
             <a:endParaRPr lang="en-US"/>
           </a:p>
@@ -2475,7 +2479,7 @@
             <a:fld id="{1D8BD707-D9CF-40AE-B4C6-C98DA3205C09}" type="datetimeFigureOut">
               <a:rPr lang="en-US" smtClean="0"/>
               <a:pPr/>
-              <a:t>9/18/2006</a:t>
+              <a:t>3/22/2015</a:t>
             </a:fld>
             <a:endParaRPr lang="en-US"/>
           </a:p>
@@ -2685,7 +2689,7 @@
             <a:fld id="{1D8BD707-D9CF-40AE-B4C6-C98DA3205C09}" type="datetimeFigureOut">
               <a:rPr lang="en-US" smtClean="0"/>
               <a:pPr/>
-              <a:t>9/18/2006</a:t>
+              <a:t>3/22/2015</a:t>
             </a:fld>
             <a:endParaRPr lang="en-US"/>
           </a:p>
@@ -3037,6 +3041,219 @@
     </p:otherStyle>
   </p:txStyles>
 </p:sldMaster>
+</file>
+
+<file path=ppt/slides/slide1.xml><?xml version="1.0" encoding="utf-8"?>
+<p:sld xmlns:a="http://schemas.openxmlformats.org/drawingml/2006/main" xmlns:r="http://schemas.openxmlformats.org/officeDocument/2006/relationships" xmlns:p="http://schemas.openxmlformats.org/presentationml/2006/main">
+  <p:cSld>
+    <p:spTree>
+      <p:nvGrpSpPr>
+        <p:cNvPr id="1" name=""/>
+        <p:cNvGrpSpPr/>
+        <p:nvPr/>
+      </p:nvGrpSpPr>
+      <p:grpSpPr>
+        <a:xfrm>
+          <a:off x="0" y="0"/>
+          <a:ext cx="0" cy="0"/>
+          <a:chOff x="0" y="0"/>
+          <a:chExt cx="0" cy="0"/>
+        </a:xfrm>
+      </p:grpSpPr>
+      <p:sp>
+        <p:nvSpPr>
+          <p:cNvPr id="3" name="Subtitle 2"/>
+          <p:cNvSpPr>
+            <a:spLocks noGrp="1"/>
+          </p:cNvSpPr>
+          <p:nvPr>
+            <p:ph type="subTitle" idx="1"/>
+          </p:nvPr>
+        </p:nvSpPr>
+        <p:spPr>
+          <a:xfrm>
+            <a:off x="1828800" y="3810000"/>
+            <a:ext cx="6400800" cy="762000"/>
+          </a:xfrm>
+        </p:spPr>
+        <p:txBody>
+          <a:bodyPr/>
+          <a:lstStyle/>
+          <a:p>
+            <a:r>
+              <a:rPr lang="en-US" i="1" dirty="0"/>
+              <a:t>--</a:t>
+            </a:r>
+            <a:r>
+              <a:rPr lang="en-US" dirty="0"/>
+              <a:t>distributed-is-the-new-centralized</a:t>
+            </a:r>
+            <a:endParaRPr lang="en-US" dirty="0"/>
+          </a:p>
+        </p:txBody>
+      </p:sp>
+      <p:pic>
+        <p:nvPicPr>
+          <p:cNvPr id="5" name="Picture 4"/>
+          <p:cNvPicPr>
+            <a:picLocks noChangeAspect="1"/>
+          </p:cNvPicPr>
+          <p:nvPr/>
+        </p:nvPicPr>
+        <p:blipFill>
+          <a:blip r:embed="rId2">
+            <a:extLst>
+              <a:ext uri="{28A0092B-C50C-407E-A947-70E740481C1C}">
+                <a14:useLocalDpi xmlns:a14="http://schemas.microsoft.com/office/drawing/2010/main" val="0"/>
+              </a:ext>
+            </a:extLst>
+          </a:blip>
+          <a:stretch>
+            <a:fillRect/>
+          </a:stretch>
+        </p:blipFill>
+        <p:spPr>
+          <a:xfrm>
+            <a:off x="1104900" y="1275303"/>
+            <a:ext cx="4610100" cy="1925097"/>
+          </a:xfrm>
+          <a:prstGeom prst="rect">
+            <a:avLst/>
+          </a:prstGeom>
+        </p:spPr>
+      </p:pic>
+      <p:sp>
+        <p:nvSpPr>
+          <p:cNvPr id="6" name="TextBox 5"/>
+          <p:cNvSpPr txBox="1"/>
+          <p:nvPr/>
+        </p:nvSpPr>
+        <p:spPr>
+          <a:xfrm>
+            <a:off x="1219200" y="5455920"/>
+            <a:ext cx="4038600" cy="861774"/>
+          </a:xfrm>
+          <a:prstGeom prst="rect">
+            <a:avLst/>
+          </a:prstGeom>
+          <a:noFill/>
+        </p:spPr>
+        <p:txBody>
+          <a:bodyPr wrap="square" rtlCol="0">
+            <a:spAutoFit/>
+          </a:bodyPr>
+          <a:lstStyle/>
+          <a:p>
+            <a:r>
+              <a:rPr lang="en-US" sz="3200" b="1" dirty="0" smtClean="0">
+                <a:solidFill>
+                  <a:srgbClr val="E23A18"/>
+                </a:solidFill>
+              </a:rPr>
+              <a:t>Gamal </a:t>
+            </a:r>
+            <a:r>
+              <a:rPr lang="en-US" sz="3200" b="1" dirty="0" err="1" smtClean="0">
+                <a:solidFill>
+                  <a:srgbClr val="E23A18"/>
+                </a:solidFill>
+              </a:rPr>
+              <a:t>Shaaban</a:t>
+            </a:r>
+            <a:r>
+              <a:rPr lang="en-US" dirty="0" smtClean="0"/>
+              <a:t/>
+            </a:r>
+            <a:br>
+              <a:rPr lang="en-US" dirty="0" smtClean="0"/>
+            </a:br>
+            <a:r>
+              <a:rPr lang="en-US" sz="1600" dirty="0" smtClean="0"/>
+              <a:t>github.com/gemy21ce</a:t>
+            </a:r>
+            <a:endParaRPr lang="en-US" dirty="0"/>
+          </a:p>
+        </p:txBody>
+      </p:sp>
+    </p:spTree>
+    <p:extLst>
+      <p:ext uri="{BB962C8B-B14F-4D97-AF65-F5344CB8AC3E}">
+        <p14:creationId xmlns:p14="http://schemas.microsoft.com/office/powerpoint/2010/main" val="3318052129"/>
+      </p:ext>
+    </p:extLst>
+  </p:cSld>
+  <p:clrMapOvr>
+    <a:masterClrMapping/>
+  </p:clrMapOvr>
+</p:sld>
+</file>
+
+<file path=ppt/slides/slide2.xml><?xml version="1.0" encoding="utf-8"?>
+<p:sld xmlns:a="http://schemas.openxmlformats.org/drawingml/2006/main" xmlns:r="http://schemas.openxmlformats.org/officeDocument/2006/relationships" xmlns:p="http://schemas.openxmlformats.org/presentationml/2006/main">
+  <p:cSld>
+    <p:spTree>
+      <p:nvGrpSpPr>
+        <p:cNvPr id="1" name=""/>
+        <p:cNvGrpSpPr/>
+        <p:nvPr/>
+      </p:nvGrpSpPr>
+      <p:grpSpPr>
+        <a:xfrm>
+          <a:off x="0" y="0"/>
+          <a:ext cx="0" cy="0"/>
+          <a:chOff x="0" y="0"/>
+          <a:chExt cx="0" cy="0"/>
+        </a:xfrm>
+      </p:grpSpPr>
+      <p:sp>
+        <p:nvSpPr>
+          <p:cNvPr id="2" name="Title 1"/>
+          <p:cNvSpPr>
+            <a:spLocks noGrp="1"/>
+          </p:cNvSpPr>
+          <p:nvPr>
+            <p:ph type="title"/>
+          </p:nvPr>
+        </p:nvSpPr>
+        <p:spPr/>
+        <p:txBody>
+          <a:bodyPr/>
+          <a:lstStyle/>
+          <a:p>
+            <a:endParaRPr lang="en-US"/>
+          </a:p>
+        </p:txBody>
+      </p:sp>
+      <p:sp>
+        <p:nvSpPr>
+          <p:cNvPr id="3" name="Content Placeholder 2"/>
+          <p:cNvSpPr>
+            <a:spLocks noGrp="1"/>
+          </p:cNvSpPr>
+          <p:nvPr>
+            <p:ph idx="1"/>
+          </p:nvPr>
+        </p:nvSpPr>
+        <p:spPr/>
+        <p:txBody>
+          <a:bodyPr/>
+          <a:lstStyle/>
+          <a:p>
+            <a:endParaRPr lang="en-US"/>
+          </a:p>
+        </p:txBody>
+      </p:sp>
+    </p:spTree>
+    <p:extLst>
+      <p:ext uri="{BB962C8B-B14F-4D97-AF65-F5344CB8AC3E}">
+        <p14:creationId xmlns:p14="http://schemas.microsoft.com/office/powerpoint/2010/main" val="659531044"/>
+      </p:ext>
+    </p:extLst>
+  </p:cSld>
+  <p:clrMapOvr>
+    <a:masterClrMapping/>
+  </p:clrMapOvr>
+</p:sld>
 </file>
 
 <file path=ppt/theme/theme1.xml><?xml version="1.0" encoding="utf-8"?>

--- a/Git.pptx
+++ b/Git.pptx
@@ -3220,7 +3220,11 @@
           <a:bodyPr/>
           <a:lstStyle/>
           <a:p>
-            <a:endParaRPr lang="en-US"/>
+            <a:r>
+              <a:rPr lang="en-US" dirty="0" smtClean="0"/>
+              <a:t>Content</a:t>
+            </a:r>
+            <a:endParaRPr lang="en-US" dirty="0"/>
           </a:p>
         </p:txBody>
       </p:sp>
@@ -3234,12 +3238,85 @@
             <p:ph idx="1"/>
           </p:nvPr>
         </p:nvSpPr>
-        <p:spPr/>
-        <p:txBody>
-          <a:bodyPr/>
-          <a:lstStyle/>
-          <a:p>
-            <a:endParaRPr lang="en-US"/>
+        <p:spPr>
+          <a:xfrm>
+            <a:off x="1371600" y="1600200"/>
+            <a:ext cx="6858000" cy="4525963"/>
+          </a:xfrm>
+        </p:spPr>
+        <p:txBody>
+          <a:bodyPr/>
+          <a:lstStyle/>
+          <a:p>
+            <a:r>
+              <a:rPr lang="en-US" dirty="0" smtClean="0"/>
+              <a:t>What’s </a:t>
+            </a:r>
+            <a:r>
+              <a:rPr lang="en-US" sz="3600" i="1" dirty="0" smtClean="0">
+                <a:latin typeface="Bell MT" panose="02020503060305020303" pitchFamily="18" charset="0"/>
+              </a:rPr>
+              <a:t>git</a:t>
+            </a:r>
+          </a:p>
+          <a:p>
+            <a:r>
+              <a:rPr lang="en-US" sz="3600" i="1" dirty="0" smtClean="0">
+                <a:latin typeface="Bell MT" panose="02020503060305020303" pitchFamily="18" charset="0"/>
+              </a:rPr>
+              <a:t>git</a:t>
+            </a:r>
+            <a:r>
+              <a:rPr lang="en-US" sz="3600" dirty="0" smtClean="0">
+                <a:latin typeface="Bell MT" panose="02020503060305020303" pitchFamily="18" charset="0"/>
+              </a:rPr>
+              <a:t> basic usage</a:t>
+            </a:r>
+          </a:p>
+          <a:p>
+            <a:pPr lvl="1"/>
+            <a:r>
+              <a:rPr lang="en-US" dirty="0" smtClean="0">
+                <a:latin typeface="Bell MT" panose="02020503060305020303" pitchFamily="18" charset="0"/>
+              </a:rPr>
+              <a:t>push, pull &amp; commit actions.</a:t>
+            </a:r>
+          </a:p>
+          <a:p>
+            <a:pPr lvl="1"/>
+            <a:r>
+              <a:rPr lang="en-US" i="1" dirty="0" smtClean="0">
+                <a:latin typeface="Bell MT" panose="02020503060305020303" pitchFamily="18" charset="0"/>
+              </a:rPr>
+              <a:t>git</a:t>
+            </a:r>
+            <a:r>
+              <a:rPr lang="en-US" dirty="0" smtClean="0">
+                <a:latin typeface="Bell MT" panose="02020503060305020303" pitchFamily="18" charset="0"/>
+              </a:rPr>
+              <a:t> tree and tracking history.</a:t>
+            </a:r>
+          </a:p>
+          <a:p>
+            <a:r>
+              <a:rPr lang="en-US" dirty="0" smtClean="0">
+                <a:latin typeface="Bell MT" panose="02020503060305020303" pitchFamily="18" charset="0"/>
+              </a:rPr>
+              <a:t>Branches &amp; tags.</a:t>
+            </a:r>
+          </a:p>
+          <a:p>
+            <a:r>
+              <a:rPr lang="en-US" dirty="0" smtClean="0">
+                <a:latin typeface="Bell MT" panose="02020503060305020303" pitchFamily="18" charset="0"/>
+              </a:rPr>
+              <a:t>Stashing.</a:t>
+            </a:r>
+          </a:p>
+          <a:p>
+            <a:endParaRPr lang="en-US" dirty="0">
+              <a:latin typeface="Bell MT" panose="02020503060305020303" pitchFamily="18" charset="0"/>
+            </a:endParaRPr>
           </a:p>
         </p:txBody>
       </p:sp>

--- a/Git.pptx
+++ b/Git.pptx
@@ -7,6 +7,10 @@
   <p:sldIdLst>
     <p:sldId id="256" r:id="rId2"/>
     <p:sldId id="257" r:id="rId3"/>
+    <p:sldId id="258" r:id="rId4"/>
+    <p:sldId id="259" r:id="rId5"/>
+    <p:sldId id="260" r:id="rId6"/>
+    <p:sldId id="261" r:id="rId7"/>
   </p:sldIdLst>
   <p:sldSz cx="9144000" cy="6858000" type="screen4x3"/>
   <p:notesSz cx="6858000" cy="9144000"/>
@@ -3185,6 +3189,13 @@
   <p:clrMapOvr>
     <a:masterClrMapping/>
   </p:clrMapOvr>
+  <p:timing>
+    <p:tnLst>
+      <p:par>
+        <p:cTn id="1" dur="indefinite" restart="never" nodeType="tmRoot"/>
+      </p:par>
+    </p:tnLst>
+  </p:timing>
 </p:sld>
 </file>
 
@@ -3221,10 +3232,18 @@
           <a:lstStyle/>
           <a:p>
             <a:r>
-              <a:rPr lang="en-US" dirty="0" smtClean="0"/>
+              <a:rPr lang="en-US" dirty="0" smtClean="0">
+                <a:solidFill>
+                  <a:srgbClr val="FF0000"/>
+                </a:solidFill>
+              </a:rPr>
               <a:t>Content</a:t>
             </a:r>
-            <a:endParaRPr lang="en-US" dirty="0"/>
+            <a:endParaRPr lang="en-US" dirty="0">
+              <a:solidFill>
+                <a:srgbClr val="FF0000"/>
+              </a:solidFill>
+            </a:endParaRPr>
           </a:p>
         </p:txBody>
       </p:sp>
@@ -3324,6 +3343,533 @@
     <p:extLst>
       <p:ext uri="{BB962C8B-B14F-4D97-AF65-F5344CB8AC3E}">
         <p14:creationId xmlns:p14="http://schemas.microsoft.com/office/powerpoint/2010/main" val="659531044"/>
+      </p:ext>
+    </p:extLst>
+  </p:cSld>
+  <p:clrMapOvr>
+    <a:masterClrMapping/>
+  </p:clrMapOvr>
+  <p:timing>
+    <p:tnLst>
+      <p:par>
+        <p:cTn id="1" dur="indefinite" restart="never" nodeType="tmRoot"/>
+      </p:par>
+    </p:tnLst>
+  </p:timing>
+</p:sld>
+</file>
+
+<file path=ppt/slides/slide3.xml><?xml version="1.0" encoding="utf-8"?>
+<p:sld xmlns:a="http://schemas.openxmlformats.org/drawingml/2006/main" xmlns:r="http://schemas.openxmlformats.org/officeDocument/2006/relationships" xmlns:p="http://schemas.openxmlformats.org/presentationml/2006/main">
+  <p:cSld>
+    <p:spTree>
+      <p:nvGrpSpPr>
+        <p:cNvPr id="1" name=""/>
+        <p:cNvGrpSpPr/>
+        <p:nvPr/>
+      </p:nvGrpSpPr>
+      <p:grpSpPr>
+        <a:xfrm>
+          <a:off x="0" y="0"/>
+          <a:ext cx="0" cy="0"/>
+          <a:chOff x="0" y="0"/>
+          <a:chExt cx="0" cy="0"/>
+        </a:xfrm>
+      </p:grpSpPr>
+      <p:sp>
+        <p:nvSpPr>
+          <p:cNvPr id="2" name="Title 1"/>
+          <p:cNvSpPr>
+            <a:spLocks noGrp="1"/>
+          </p:cNvSpPr>
+          <p:nvPr>
+            <p:ph type="title"/>
+          </p:nvPr>
+        </p:nvSpPr>
+        <p:spPr/>
+        <p:txBody>
+          <a:bodyPr>
+            <a:normAutofit/>
+          </a:bodyPr>
+          <a:lstStyle/>
+          <a:p>
+            <a:r>
+              <a:rPr lang="en-US" sz="4800" i="1" dirty="0" smtClean="0">
+                <a:solidFill>
+                  <a:srgbClr val="FF0000"/>
+                </a:solidFill>
+                <a:effectLst>
+                  <a:outerShdw blurRad="38100" dist="38100" dir="2700000" algn="tl">
+                    <a:srgbClr val="000000">
+                      <a:alpha val="43137"/>
+                    </a:srgbClr>
+                  </a:outerShdw>
+                </a:effectLst>
+                <a:latin typeface="Bell MT" panose="02020503060305020303" pitchFamily="18" charset="0"/>
+              </a:rPr>
+              <a:t>git in nutshell</a:t>
+            </a:r>
+            <a:endParaRPr lang="en-US" sz="4800" dirty="0">
+              <a:solidFill>
+                <a:srgbClr val="FF0000"/>
+              </a:solidFill>
+              <a:effectLst>
+                <a:outerShdw blurRad="38100" dist="38100" dir="2700000" algn="tl">
+                  <a:srgbClr val="000000">
+                    <a:alpha val="43137"/>
+                  </a:srgbClr>
+                </a:outerShdw>
+              </a:effectLst>
+            </a:endParaRPr>
+          </a:p>
+        </p:txBody>
+      </p:sp>
+      <p:sp>
+        <p:nvSpPr>
+          <p:cNvPr id="3" name="Content Placeholder 2"/>
+          <p:cNvSpPr>
+            <a:spLocks noGrp="1"/>
+          </p:cNvSpPr>
+          <p:nvPr>
+            <p:ph idx="1"/>
+          </p:nvPr>
+        </p:nvSpPr>
+        <p:spPr/>
+        <p:txBody>
+          <a:bodyPr/>
+          <a:lstStyle/>
+          <a:p>
+            <a:r>
+              <a:rPr lang="en-US" dirty="0"/>
+              <a:t>Distributed </a:t>
+            </a:r>
+            <a:r>
+              <a:rPr lang="en-US" dirty="0" smtClean="0"/>
+              <a:t>development</a:t>
+            </a:r>
+          </a:p>
+          <a:p>
+            <a:r>
+              <a:rPr lang="en-US" dirty="0"/>
+              <a:t>Complex </a:t>
+            </a:r>
+            <a:r>
+              <a:rPr lang="en-US" dirty="0" smtClean="0"/>
+              <a:t>merges</a:t>
+            </a:r>
+          </a:p>
+          <a:p>
+            <a:r>
+              <a:rPr lang="en-US" dirty="0" smtClean="0"/>
+              <a:t>Very fast</a:t>
+            </a:r>
+          </a:p>
+          <a:p>
+            <a:endParaRPr lang="en-US" dirty="0"/>
+          </a:p>
+        </p:txBody>
+      </p:sp>
+    </p:spTree>
+    <p:extLst>
+      <p:ext uri="{BB962C8B-B14F-4D97-AF65-F5344CB8AC3E}">
+        <p14:creationId xmlns:p14="http://schemas.microsoft.com/office/powerpoint/2010/main" val="1293869782"/>
+      </p:ext>
+    </p:extLst>
+  </p:cSld>
+  <p:clrMapOvr>
+    <a:masterClrMapping/>
+  </p:clrMapOvr>
+  <p:timing>
+    <p:tnLst>
+      <p:par>
+        <p:cTn id="1" dur="indefinite" restart="never" nodeType="tmRoot"/>
+      </p:par>
+    </p:tnLst>
+  </p:timing>
+</p:sld>
+</file>
+
+<file path=ppt/slides/slide4.xml><?xml version="1.0" encoding="utf-8"?>
+<p:sld xmlns:a="http://schemas.openxmlformats.org/drawingml/2006/main" xmlns:r="http://schemas.openxmlformats.org/officeDocument/2006/relationships" xmlns:p="http://schemas.openxmlformats.org/presentationml/2006/main">
+  <p:cSld>
+    <p:spTree>
+      <p:nvGrpSpPr>
+        <p:cNvPr id="1" name=""/>
+        <p:cNvGrpSpPr/>
+        <p:nvPr/>
+      </p:nvGrpSpPr>
+      <p:grpSpPr>
+        <a:xfrm>
+          <a:off x="0" y="0"/>
+          <a:ext cx="0" cy="0"/>
+          <a:chOff x="0" y="0"/>
+          <a:chExt cx="0" cy="0"/>
+        </a:xfrm>
+      </p:grpSpPr>
+      <p:sp>
+        <p:nvSpPr>
+          <p:cNvPr id="2" name="Title 1"/>
+          <p:cNvSpPr>
+            <a:spLocks noGrp="1"/>
+          </p:cNvSpPr>
+          <p:nvPr>
+            <p:ph type="title"/>
+          </p:nvPr>
+        </p:nvSpPr>
+        <p:spPr/>
+        <p:txBody>
+          <a:bodyPr>
+            <a:normAutofit/>
+          </a:bodyPr>
+          <a:lstStyle/>
+          <a:p>
+            <a:r>
+              <a:rPr lang="en-US" sz="4800" i="1" dirty="0" smtClean="0">
+                <a:solidFill>
+                  <a:srgbClr val="FF0000"/>
+                </a:solidFill>
+                <a:effectLst>
+                  <a:outerShdw blurRad="38100" dist="38100" dir="2700000" algn="tl">
+                    <a:srgbClr val="000000">
+                      <a:alpha val="43137"/>
+                    </a:srgbClr>
+                  </a:outerShdw>
+                </a:effectLst>
+                <a:latin typeface="Bell MT" panose="02020503060305020303" pitchFamily="18" charset="0"/>
+              </a:rPr>
+              <a:t>git basics</a:t>
+            </a:r>
+            <a:endParaRPr lang="en-US" sz="4800" dirty="0">
+              <a:solidFill>
+                <a:srgbClr val="FF0000"/>
+              </a:solidFill>
+              <a:effectLst>
+                <a:outerShdw blurRad="38100" dist="38100" dir="2700000" algn="tl">
+                  <a:srgbClr val="000000">
+                    <a:alpha val="43137"/>
+                  </a:srgbClr>
+                </a:outerShdw>
+              </a:effectLst>
+            </a:endParaRPr>
+          </a:p>
+        </p:txBody>
+      </p:sp>
+      <p:sp>
+        <p:nvSpPr>
+          <p:cNvPr id="3" name="Content Placeholder 2"/>
+          <p:cNvSpPr>
+            <a:spLocks noGrp="1"/>
+          </p:cNvSpPr>
+          <p:nvPr>
+            <p:ph idx="1"/>
+          </p:nvPr>
+        </p:nvSpPr>
+        <p:spPr>
+          <a:xfrm>
+            <a:off x="457200" y="2057400"/>
+            <a:ext cx="8229600" cy="3276600"/>
+          </a:xfrm>
+        </p:spPr>
+        <p:txBody>
+          <a:bodyPr/>
+          <a:lstStyle/>
+          <a:p>
+            <a:r>
+              <a:rPr lang="en-US" dirty="0" smtClean="0"/>
+              <a:t>Cloning repositories.</a:t>
+            </a:r>
+          </a:p>
+          <a:p>
+            <a:r>
+              <a:rPr lang="en-US" dirty="0" smtClean="0"/>
+              <a:t>Commits and stashing.</a:t>
+            </a:r>
+          </a:p>
+          <a:p>
+            <a:r>
+              <a:rPr lang="en-US" dirty="0" smtClean="0"/>
+              <a:t>Push &amp; Pull.</a:t>
+            </a:r>
+          </a:p>
+          <a:p>
+            <a:r>
+              <a:rPr lang="en-US" dirty="0" smtClean="0"/>
+              <a:t>Merging updates.</a:t>
+            </a:r>
+            <a:endParaRPr lang="en-US" dirty="0"/>
+          </a:p>
+        </p:txBody>
+      </p:sp>
+    </p:spTree>
+    <p:extLst>
+      <p:ext uri="{BB962C8B-B14F-4D97-AF65-F5344CB8AC3E}">
+        <p14:creationId xmlns:p14="http://schemas.microsoft.com/office/powerpoint/2010/main" val="1225857582"/>
+      </p:ext>
+    </p:extLst>
+  </p:cSld>
+  <p:clrMapOvr>
+    <a:masterClrMapping/>
+  </p:clrMapOvr>
+  <p:timing>
+    <p:tnLst>
+      <p:par>
+        <p:cTn id="1" dur="indefinite" restart="never" nodeType="tmRoot"/>
+      </p:par>
+    </p:tnLst>
+  </p:timing>
+</p:sld>
+</file>
+
+<file path=ppt/slides/slide5.xml><?xml version="1.0" encoding="utf-8"?>
+<p:sld xmlns:a="http://schemas.openxmlformats.org/drawingml/2006/main" xmlns:r="http://schemas.openxmlformats.org/officeDocument/2006/relationships" xmlns:p="http://schemas.openxmlformats.org/presentationml/2006/main">
+  <p:cSld>
+    <p:spTree>
+      <p:nvGrpSpPr>
+        <p:cNvPr id="1" name=""/>
+        <p:cNvGrpSpPr/>
+        <p:nvPr/>
+      </p:nvGrpSpPr>
+      <p:grpSpPr>
+        <a:xfrm>
+          <a:off x="0" y="0"/>
+          <a:ext cx="0" cy="0"/>
+          <a:chOff x="0" y="0"/>
+          <a:chExt cx="0" cy="0"/>
+        </a:xfrm>
+      </p:grpSpPr>
+      <p:sp>
+        <p:nvSpPr>
+          <p:cNvPr id="2" name="Title 1"/>
+          <p:cNvSpPr>
+            <a:spLocks noGrp="1"/>
+          </p:cNvSpPr>
+          <p:nvPr>
+            <p:ph type="title"/>
+          </p:nvPr>
+        </p:nvSpPr>
+        <p:spPr/>
+        <p:txBody>
+          <a:bodyPr>
+            <a:normAutofit/>
+          </a:bodyPr>
+          <a:lstStyle/>
+          <a:p>
+            <a:r>
+              <a:rPr lang="en-US" sz="4800" i="1" dirty="0" smtClean="0">
+                <a:solidFill>
+                  <a:srgbClr val="FF0000"/>
+                </a:solidFill>
+                <a:effectLst>
+                  <a:outerShdw blurRad="38100" dist="38100" dir="2700000" algn="tl">
+                    <a:srgbClr val="000000">
+                      <a:alpha val="43137"/>
+                    </a:srgbClr>
+                  </a:outerShdw>
+                </a:effectLst>
+                <a:latin typeface="Bell MT" panose="02020503060305020303" pitchFamily="18" charset="0"/>
+              </a:rPr>
+              <a:t>git basics</a:t>
+            </a:r>
+            <a:endParaRPr lang="en-US" sz="4800" dirty="0">
+              <a:solidFill>
+                <a:srgbClr val="FF0000"/>
+              </a:solidFill>
+              <a:effectLst>
+                <a:outerShdw blurRad="38100" dist="38100" dir="2700000" algn="tl">
+                  <a:srgbClr val="000000">
+                    <a:alpha val="43137"/>
+                  </a:srgbClr>
+                </a:outerShdw>
+              </a:effectLst>
+            </a:endParaRPr>
+          </a:p>
+        </p:txBody>
+      </p:sp>
+      <p:sp>
+        <p:nvSpPr>
+          <p:cNvPr id="3" name="Content Placeholder 2"/>
+          <p:cNvSpPr>
+            <a:spLocks noGrp="1"/>
+          </p:cNvSpPr>
+          <p:nvPr>
+            <p:ph idx="1"/>
+          </p:nvPr>
+        </p:nvSpPr>
+        <p:spPr>
+          <a:xfrm>
+            <a:off x="457200" y="2286000"/>
+            <a:ext cx="8229600" cy="3505200"/>
+          </a:xfrm>
+        </p:spPr>
+        <p:txBody>
+          <a:bodyPr/>
+          <a:lstStyle/>
+          <a:p>
+            <a:r>
+              <a:rPr lang="en-US" dirty="0" smtClean="0"/>
+              <a:t>Viewing Tree.</a:t>
+            </a:r>
+          </a:p>
+          <a:p>
+            <a:r>
+              <a:rPr lang="en-US" dirty="0" smtClean="0"/>
+              <a:t>Rebase/Check out node.</a:t>
+            </a:r>
+          </a:p>
+        </p:txBody>
+      </p:sp>
+    </p:spTree>
+    <p:extLst>
+      <p:ext uri="{BB962C8B-B14F-4D97-AF65-F5344CB8AC3E}">
+        <p14:creationId xmlns:p14="http://schemas.microsoft.com/office/powerpoint/2010/main" val="2769596831"/>
+      </p:ext>
+    </p:extLst>
+  </p:cSld>
+  <p:clrMapOvr>
+    <a:masterClrMapping/>
+  </p:clrMapOvr>
+  <p:timing>
+    <p:tnLst>
+      <p:par>
+        <p:cTn id="1" dur="indefinite" restart="never" nodeType="tmRoot"/>
+      </p:par>
+    </p:tnLst>
+  </p:timing>
+</p:sld>
+</file>
+
+<file path=ppt/slides/slide6.xml><?xml version="1.0" encoding="utf-8"?>
+<p:sld xmlns:a="http://schemas.openxmlformats.org/drawingml/2006/main" xmlns:r="http://schemas.openxmlformats.org/officeDocument/2006/relationships" xmlns:p="http://schemas.openxmlformats.org/presentationml/2006/main">
+  <p:cSld>
+    <p:spTree>
+      <p:nvGrpSpPr>
+        <p:cNvPr id="1" name=""/>
+        <p:cNvGrpSpPr/>
+        <p:nvPr/>
+      </p:nvGrpSpPr>
+      <p:grpSpPr>
+        <a:xfrm>
+          <a:off x="0" y="0"/>
+          <a:ext cx="0" cy="0"/>
+          <a:chOff x="0" y="0"/>
+          <a:chExt cx="0" cy="0"/>
+        </a:xfrm>
+      </p:grpSpPr>
+      <p:sp>
+        <p:nvSpPr>
+          <p:cNvPr id="2" name="Title 1"/>
+          <p:cNvSpPr>
+            <a:spLocks noGrp="1"/>
+          </p:cNvSpPr>
+          <p:nvPr>
+            <p:ph type="title"/>
+          </p:nvPr>
+        </p:nvSpPr>
+        <p:spPr/>
+        <p:txBody>
+          <a:bodyPr>
+            <a:normAutofit/>
+          </a:bodyPr>
+          <a:lstStyle/>
+          <a:p>
+            <a:r>
+              <a:rPr lang="en-US" sz="4800" i="1" dirty="0" smtClean="0">
+                <a:solidFill>
+                  <a:srgbClr val="FF0000"/>
+                </a:solidFill>
+                <a:effectLst>
+                  <a:outerShdw blurRad="38100" dist="38100" dir="2700000" algn="tl">
+                    <a:srgbClr val="000000">
+                      <a:alpha val="43137"/>
+                    </a:srgbClr>
+                  </a:outerShdw>
+                </a:effectLst>
+                <a:latin typeface="Bell MT" panose="02020503060305020303" pitchFamily="18" charset="0"/>
+              </a:rPr>
+              <a:t>git  branches </a:t>
+            </a:r>
+            <a:r>
+              <a:rPr lang="en-US" sz="4800" i="1" dirty="0">
+                <a:solidFill>
+                  <a:srgbClr val="FF0000"/>
+                </a:solidFill>
+                <a:effectLst>
+                  <a:outerShdw blurRad="38100" dist="38100" dir="2700000" algn="tl">
+                    <a:srgbClr val="000000">
+                      <a:alpha val="43137"/>
+                    </a:srgbClr>
+                  </a:outerShdw>
+                </a:effectLst>
+                <a:latin typeface="Bell MT" panose="02020503060305020303" pitchFamily="18" charset="0"/>
+              </a:rPr>
+              <a:t>&amp; tags</a:t>
+            </a:r>
+          </a:p>
+        </p:txBody>
+      </p:sp>
+      <p:sp>
+        <p:nvSpPr>
+          <p:cNvPr id="3" name="Content Placeholder 2"/>
+          <p:cNvSpPr>
+            <a:spLocks noGrp="1"/>
+          </p:cNvSpPr>
+          <p:nvPr>
+            <p:ph idx="1"/>
+          </p:nvPr>
+        </p:nvSpPr>
+        <p:spPr/>
+        <p:txBody>
+          <a:bodyPr/>
+          <a:lstStyle/>
+          <a:p>
+            <a:r>
+              <a:rPr lang="en-US" dirty="0" smtClean="0"/>
+              <a:t>Creating a branch on local repos</a:t>
+            </a:r>
+          </a:p>
+          <a:p>
+            <a:r>
+              <a:rPr lang="en-US" dirty="0" smtClean="0"/>
+              <a:t>Doing some changes.</a:t>
+            </a:r>
+          </a:p>
+          <a:p>
+            <a:r>
+              <a:rPr lang="en-US" dirty="0" smtClean="0"/>
+              <a:t>Pushing branch to remote.</a:t>
+            </a:r>
+          </a:p>
+          <a:p>
+            <a:r>
+              <a:rPr lang="en-US" dirty="0" smtClean="0"/>
+              <a:t>Pull branch.</a:t>
+            </a:r>
+          </a:p>
+          <a:p>
+            <a:r>
+              <a:rPr lang="en-US" dirty="0" smtClean="0"/>
+              <a:t>Switch to branch.</a:t>
+            </a:r>
+          </a:p>
+          <a:p>
+            <a:r>
+              <a:rPr lang="en-US" dirty="0" smtClean="0"/>
+              <a:t>Merging branches.</a:t>
+            </a:r>
+          </a:p>
+          <a:p>
+            <a:r>
+              <a:rPr lang="en-US" dirty="0" smtClean="0"/>
+              <a:t>Differences between tags and branches.</a:t>
+            </a:r>
+            <a:endParaRPr lang="en-US" dirty="0"/>
+          </a:p>
+        </p:txBody>
+      </p:sp>
+    </p:spTree>
+    <p:extLst>
+      <p:ext uri="{BB962C8B-B14F-4D97-AF65-F5344CB8AC3E}">
+        <p14:creationId xmlns:p14="http://schemas.microsoft.com/office/powerpoint/2010/main" val="2769596831"/>
       </p:ext>
     </p:extLst>
   </p:cSld>

--- a/Git.pptx
+++ b/Git.pptx
@@ -11,6 +11,9 @@
     <p:sldId id="259" r:id="rId5"/>
     <p:sldId id="260" r:id="rId6"/>
     <p:sldId id="261" r:id="rId7"/>
+    <p:sldId id="262" r:id="rId8"/>
+    <p:sldId id="263" r:id="rId9"/>
+    <p:sldId id="264" r:id="rId10"/>
   </p:sldIdLst>
   <p:sldSz cx="9144000" cy="6858000" type="screen4x3"/>
   <p:notesSz cx="6858000" cy="9144000"/>
@@ -3879,6 +3882,304 @@
 </p:sld>
 </file>
 
+<file path=ppt/slides/slide7.xml><?xml version="1.0" encoding="utf-8"?>
+<p:sld xmlns:a="http://schemas.openxmlformats.org/drawingml/2006/main" xmlns:r="http://schemas.openxmlformats.org/officeDocument/2006/relationships" xmlns:p="http://schemas.openxmlformats.org/presentationml/2006/main">
+  <p:cSld>
+    <p:spTree>
+      <p:nvGrpSpPr>
+        <p:cNvPr id="1" name=""/>
+        <p:cNvGrpSpPr/>
+        <p:nvPr/>
+      </p:nvGrpSpPr>
+      <p:grpSpPr>
+        <a:xfrm>
+          <a:off x="0" y="0"/>
+          <a:ext cx="0" cy="0"/>
+          <a:chOff x="0" y="0"/>
+          <a:chExt cx="0" cy="0"/>
+        </a:xfrm>
+      </p:grpSpPr>
+      <p:sp>
+        <p:nvSpPr>
+          <p:cNvPr id="2" name="Title 1"/>
+          <p:cNvSpPr>
+            <a:spLocks noGrp="1"/>
+          </p:cNvSpPr>
+          <p:nvPr>
+            <p:ph type="title"/>
+          </p:nvPr>
+        </p:nvSpPr>
+        <p:spPr/>
+        <p:txBody>
+          <a:bodyPr>
+            <a:normAutofit/>
+          </a:bodyPr>
+          <a:lstStyle/>
+          <a:p>
+            <a:r>
+              <a:rPr lang="en-US" sz="4800" i="1" dirty="0" smtClean="0">
+                <a:solidFill>
+                  <a:srgbClr val="FF0000"/>
+                </a:solidFill>
+                <a:effectLst>
+                  <a:outerShdw blurRad="38100" dist="38100" dir="2700000" algn="tl">
+                    <a:srgbClr val="000000">
+                      <a:alpha val="43137"/>
+                    </a:srgbClr>
+                  </a:outerShdw>
+                </a:effectLst>
+                <a:latin typeface="Bell MT" panose="02020503060305020303" pitchFamily="18" charset="0"/>
+              </a:rPr>
+              <a:t>Stashing</a:t>
+            </a:r>
+            <a:endParaRPr lang="en-US" sz="4800" dirty="0">
+              <a:solidFill>
+                <a:srgbClr val="FF0000"/>
+              </a:solidFill>
+              <a:effectLst>
+                <a:outerShdw blurRad="38100" dist="38100" dir="2700000" algn="tl">
+                  <a:srgbClr val="000000">
+                    <a:alpha val="43137"/>
+                  </a:srgbClr>
+                </a:outerShdw>
+              </a:effectLst>
+            </a:endParaRPr>
+          </a:p>
+        </p:txBody>
+      </p:sp>
+      <p:sp>
+        <p:nvSpPr>
+          <p:cNvPr id="3" name="Content Placeholder 2"/>
+          <p:cNvSpPr>
+            <a:spLocks noGrp="1"/>
+          </p:cNvSpPr>
+          <p:nvPr>
+            <p:ph idx="1"/>
+          </p:nvPr>
+        </p:nvSpPr>
+        <p:spPr>
+          <a:xfrm>
+            <a:off x="457200" y="2286000"/>
+            <a:ext cx="8229600" cy="3505200"/>
+          </a:xfrm>
+        </p:spPr>
+        <p:txBody>
+          <a:bodyPr/>
+          <a:lstStyle/>
+          <a:p>
+            <a:r>
+              <a:rPr lang="en-US" dirty="0" smtClean="0"/>
+              <a:t>What’s Stashing.</a:t>
+            </a:r>
+          </a:p>
+          <a:p>
+            <a:r>
+              <a:rPr lang="en-US" dirty="0" smtClean="0"/>
+              <a:t>Retrieve Stash.</a:t>
+            </a:r>
+          </a:p>
+        </p:txBody>
+      </p:sp>
+    </p:spTree>
+    <p:extLst>
+      <p:ext uri="{BB962C8B-B14F-4D97-AF65-F5344CB8AC3E}">
+        <p14:creationId xmlns:p14="http://schemas.microsoft.com/office/powerpoint/2010/main" val="2442852750"/>
+      </p:ext>
+    </p:extLst>
+  </p:cSld>
+  <p:clrMapOvr>
+    <a:masterClrMapping/>
+  </p:clrMapOvr>
+  <p:timing>
+    <p:tnLst>
+      <p:par>
+        <p:cTn id="1" dur="indefinite" restart="never" nodeType="tmRoot"/>
+      </p:par>
+    </p:tnLst>
+  </p:timing>
+</p:sld>
+</file>
+
+<file path=ppt/slides/slide8.xml><?xml version="1.0" encoding="utf-8"?>
+<p:sld xmlns:a="http://schemas.openxmlformats.org/drawingml/2006/main" xmlns:r="http://schemas.openxmlformats.org/officeDocument/2006/relationships" xmlns:p="http://schemas.openxmlformats.org/presentationml/2006/main">
+  <p:cSld>
+    <p:spTree>
+      <p:nvGrpSpPr>
+        <p:cNvPr id="1" name=""/>
+        <p:cNvGrpSpPr/>
+        <p:nvPr/>
+      </p:nvGrpSpPr>
+      <p:grpSpPr>
+        <a:xfrm>
+          <a:off x="0" y="0"/>
+          <a:ext cx="0" cy="0"/>
+          <a:chOff x="0" y="0"/>
+          <a:chExt cx="0" cy="0"/>
+        </a:xfrm>
+      </p:grpSpPr>
+      <p:sp>
+        <p:nvSpPr>
+          <p:cNvPr id="2" name="Title 1"/>
+          <p:cNvSpPr>
+            <a:spLocks noGrp="1"/>
+          </p:cNvSpPr>
+          <p:nvPr>
+            <p:ph type="title"/>
+          </p:nvPr>
+        </p:nvSpPr>
+        <p:spPr>
+          <a:xfrm>
+            <a:off x="457200" y="2819400"/>
+            <a:ext cx="8229600" cy="1143000"/>
+          </a:xfrm>
+        </p:spPr>
+        <p:txBody>
+          <a:bodyPr>
+            <a:normAutofit/>
+          </a:bodyPr>
+          <a:lstStyle/>
+          <a:p>
+            <a:r>
+              <a:rPr lang="en-US" sz="4800" i="1" dirty="0" smtClean="0">
+                <a:solidFill>
+                  <a:srgbClr val="FF0000"/>
+                </a:solidFill>
+                <a:effectLst>
+                  <a:outerShdw blurRad="38100" dist="38100" dir="2700000" algn="tl">
+                    <a:srgbClr val="000000">
+                      <a:alpha val="43137"/>
+                    </a:srgbClr>
+                  </a:outerShdw>
+                </a:effectLst>
+                <a:latin typeface="Bell MT" panose="02020503060305020303" pitchFamily="18" charset="0"/>
+              </a:rPr>
+              <a:t>Questions?</a:t>
+            </a:r>
+            <a:endParaRPr lang="en-US" sz="4800" dirty="0">
+              <a:solidFill>
+                <a:srgbClr val="FF0000"/>
+              </a:solidFill>
+              <a:effectLst>
+                <a:outerShdw blurRad="38100" dist="38100" dir="2700000" algn="tl">
+                  <a:srgbClr val="000000">
+                    <a:alpha val="43137"/>
+                  </a:srgbClr>
+                </a:outerShdw>
+              </a:effectLst>
+            </a:endParaRPr>
+          </a:p>
+        </p:txBody>
+      </p:sp>
+    </p:spTree>
+    <p:extLst>
+      <p:ext uri="{BB962C8B-B14F-4D97-AF65-F5344CB8AC3E}">
+        <p14:creationId xmlns:p14="http://schemas.microsoft.com/office/powerpoint/2010/main" val="2442852750"/>
+      </p:ext>
+    </p:extLst>
+  </p:cSld>
+  <p:clrMapOvr>
+    <a:masterClrMapping/>
+  </p:clrMapOvr>
+  <p:timing>
+    <p:tnLst>
+      <p:par>
+        <p:cTn id="1" dur="indefinite" restart="never" nodeType="tmRoot"/>
+      </p:par>
+    </p:tnLst>
+  </p:timing>
+</p:sld>
+</file>
+
+<file path=ppt/slides/slide9.xml><?xml version="1.0" encoding="utf-8"?>
+<p:sld xmlns:a="http://schemas.openxmlformats.org/drawingml/2006/main" xmlns:r="http://schemas.openxmlformats.org/officeDocument/2006/relationships" xmlns:p="http://schemas.openxmlformats.org/presentationml/2006/main">
+  <p:cSld>
+    <p:spTree>
+      <p:nvGrpSpPr>
+        <p:cNvPr id="1" name=""/>
+        <p:cNvGrpSpPr/>
+        <p:nvPr/>
+      </p:nvGrpSpPr>
+      <p:grpSpPr>
+        <a:xfrm>
+          <a:off x="0" y="0"/>
+          <a:ext cx="0" cy="0"/>
+          <a:chOff x="0" y="0"/>
+          <a:chExt cx="0" cy="0"/>
+        </a:xfrm>
+      </p:grpSpPr>
+      <p:sp>
+        <p:nvSpPr>
+          <p:cNvPr id="2" name="Title 1"/>
+          <p:cNvSpPr>
+            <a:spLocks noGrp="1"/>
+          </p:cNvSpPr>
+          <p:nvPr>
+            <p:ph type="title"/>
+          </p:nvPr>
+        </p:nvSpPr>
+        <p:spPr>
+          <a:xfrm>
+            <a:off x="457200" y="2819400"/>
+            <a:ext cx="8229600" cy="1143000"/>
+          </a:xfrm>
+        </p:spPr>
+        <p:txBody>
+          <a:bodyPr>
+            <a:normAutofit/>
+          </a:bodyPr>
+          <a:lstStyle/>
+          <a:p>
+            <a:r>
+              <a:rPr lang="en-US" sz="4800" i="1" dirty="0" smtClean="0">
+                <a:solidFill>
+                  <a:srgbClr val="FF0000"/>
+                </a:solidFill>
+                <a:effectLst>
+                  <a:outerShdw blurRad="38100" dist="38100" dir="2700000" algn="tl">
+                    <a:srgbClr val="000000">
+                      <a:alpha val="43137"/>
+                    </a:srgbClr>
+                  </a:outerShdw>
+                </a:effectLst>
+                <a:latin typeface="Bell MT" panose="02020503060305020303" pitchFamily="18" charset="0"/>
+              </a:rPr>
+              <a:t>Thank You!</a:t>
+            </a:r>
+            <a:endParaRPr lang="en-US" sz="4800" dirty="0">
+              <a:solidFill>
+                <a:srgbClr val="FF0000"/>
+              </a:solidFill>
+              <a:effectLst>
+                <a:outerShdw blurRad="38100" dist="38100" dir="2700000" algn="tl">
+                  <a:srgbClr val="000000">
+                    <a:alpha val="43137"/>
+                  </a:srgbClr>
+                </a:outerShdw>
+              </a:effectLst>
+            </a:endParaRPr>
+          </a:p>
+        </p:txBody>
+      </p:sp>
+    </p:spTree>
+    <p:extLst>
+      <p:ext uri="{BB962C8B-B14F-4D97-AF65-F5344CB8AC3E}">
+        <p14:creationId xmlns:p14="http://schemas.microsoft.com/office/powerpoint/2010/main" val="4177549335"/>
+      </p:ext>
+    </p:extLst>
+  </p:cSld>
+  <p:clrMapOvr>
+    <a:masterClrMapping/>
+  </p:clrMapOvr>
+  <p:timing>
+    <p:tnLst>
+      <p:par>
+        <p:cTn id="1" dur="indefinite" restart="never" nodeType="tmRoot"/>
+      </p:par>
+    </p:tnLst>
+  </p:timing>
+</p:sld>
+</file>
+
 <file path=ppt/theme/theme1.xml><?xml version="1.0" encoding="utf-8"?>
 <a:theme xmlns:a="http://schemas.openxmlformats.org/drawingml/2006/main" name="Office Theme">
   <a:themeElements>

--- a/Git.pptx
+++ b/Git.pptx
@@ -3262,8 +3262,8 @@
         </p:nvSpPr>
         <p:spPr>
           <a:xfrm>
-            <a:off x="1371600" y="1600200"/>
-            <a:ext cx="6858000" cy="4525963"/>
+            <a:off x="1371600" y="1600201"/>
+            <a:ext cx="6858000" cy="3581400"/>
           </a:xfrm>
         </p:spPr>
         <p:txBody>
@@ -3338,6 +3338,64 @@
           <a:p>
             <a:endParaRPr lang="en-US" dirty="0">
               <a:latin typeface="Bell MT" panose="02020503060305020303" pitchFamily="18" charset="0"/>
+            </a:endParaRPr>
+          </a:p>
+        </p:txBody>
+      </p:sp>
+      <p:sp>
+        <p:nvSpPr>
+          <p:cNvPr id="4" name="TextBox 3"/>
+          <p:cNvSpPr txBox="1"/>
+          <p:nvPr/>
+        </p:nvSpPr>
+        <p:spPr>
+          <a:xfrm>
+            <a:off x="914400" y="6019800"/>
+            <a:ext cx="5921301" cy="369332"/>
+          </a:xfrm>
+          <a:prstGeom prst="rect">
+            <a:avLst/>
+          </a:prstGeom>
+          <a:noFill/>
+        </p:spPr>
+        <p:txBody>
+          <a:bodyPr wrap="none" rtlCol="0">
+            <a:spAutoFit/>
+          </a:bodyPr>
+          <a:lstStyle/>
+          <a:p>
+            <a:r>
+              <a:rPr lang="en-US" dirty="0" smtClean="0"/>
+              <a:t>Clone me from  </a:t>
+            </a:r>
+            <a:r>
+              <a:rPr lang="en-US" dirty="0" smtClean="0">
+                <a:solidFill>
+                  <a:srgbClr val="FF0000"/>
+                </a:solidFill>
+              </a:rPr>
+              <a:t>https</a:t>
+            </a:r>
+            <a:r>
+              <a:rPr lang="en-US" dirty="0">
+                <a:solidFill>
+                  <a:srgbClr val="FF0000"/>
+                </a:solidFill>
+              </a:rPr>
+              <a:t>://</a:t>
+            </a:r>
+            <a:r>
+              <a:rPr lang="en-US" dirty="0" smtClean="0">
+                <a:solidFill>
+                  <a:srgbClr val="FF0000"/>
+                </a:solidFill>
+              </a:rPr>
+              <a:t>github.com/gemy21ce/EF-Git-Training</a:t>
+            </a:r>
+            <a:endParaRPr lang="en-US" dirty="0">
+              <a:solidFill>
+                <a:srgbClr val="FF0000"/>
+              </a:solidFill>
             </a:endParaRPr>
           </a:p>
         </p:txBody>
